--- a/ppt 16-9/1256.天父世界.pptx
+++ b/ppt 16-9/1256.天父世界.pptx
@@ -129,7 +129,7 @@
           <p:cNvPr id="2" name="标题 1">
             <a:extLst>
               <a:ext uri="{FF2B5EF4-FFF2-40B4-BE49-F238E27FC236}">
-                <a16:creationId xmlns:a16="http://schemas.microsoft.com/office/drawing/2014/main" id="{EF1CCE7A-5B14-E1C4-DD6C-C3B89D6A6EC2}"/>
+                <a16:creationId xmlns:a16="http://schemas.microsoft.com/office/drawing/2014/main" id="{D41D7270-8427-BF47-D4FD-93E4CE78BBC1}"/>
               </a:ext>
             </a:extLst>
           </p:cNvPr>
@@ -166,7 +166,7 @@
           <p:cNvPr id="3" name="副标题 2">
             <a:extLst>
               <a:ext uri="{FF2B5EF4-FFF2-40B4-BE49-F238E27FC236}">
-                <a16:creationId xmlns:a16="http://schemas.microsoft.com/office/drawing/2014/main" id="{597332DD-6CBA-6785-04E8-28ECB60AD5B4}"/>
+                <a16:creationId xmlns:a16="http://schemas.microsoft.com/office/drawing/2014/main" id="{B6BE7B3D-915F-6E50-8C2B-B4E199B65B6F}"/>
               </a:ext>
             </a:extLst>
           </p:cNvPr>
@@ -236,7 +236,7 @@
           <p:cNvPr id="4" name="日期占位符 3">
             <a:extLst>
               <a:ext uri="{FF2B5EF4-FFF2-40B4-BE49-F238E27FC236}">
-                <a16:creationId xmlns:a16="http://schemas.microsoft.com/office/drawing/2014/main" id="{7BB2846C-E7CA-9B5D-D448-2C2E12E046D1}"/>
+                <a16:creationId xmlns:a16="http://schemas.microsoft.com/office/drawing/2014/main" id="{5ACE8487-597F-1B70-5DBE-B42565F262D9}"/>
               </a:ext>
             </a:extLst>
           </p:cNvPr>
@@ -252,7 +252,7 @@
           <a:bodyPr/>
           <a:lstStyle/>
           <a:p>
-            <a:fld id="{A01A747B-8B49-454F-8962-FC36EB4FE270}" type="datetimeFigureOut">
+            <a:fld id="{0BC3A608-BC37-40B9-AD1F-CF9AD95681F4}" type="datetimeFigureOut">
               <a:rPr lang="zh-CN" altLang="en-US" smtClean="0"/>
               <a:t>2024/3/10</a:t>
             </a:fld>
@@ -265,7 +265,7 @@
           <p:cNvPr id="5" name="页脚占位符 4">
             <a:extLst>
               <a:ext uri="{FF2B5EF4-FFF2-40B4-BE49-F238E27FC236}">
-                <a16:creationId xmlns:a16="http://schemas.microsoft.com/office/drawing/2014/main" id="{68B5AE33-9A11-19B2-E782-B48ED9615107}"/>
+                <a16:creationId xmlns:a16="http://schemas.microsoft.com/office/drawing/2014/main" id="{A66A4E2B-E4D2-ED85-C97B-A92C8A36F48C}"/>
               </a:ext>
             </a:extLst>
           </p:cNvPr>
@@ -290,7 +290,7 @@
           <p:cNvPr id="6" name="灯片编号占位符 5">
             <a:extLst>
               <a:ext uri="{FF2B5EF4-FFF2-40B4-BE49-F238E27FC236}">
-                <a16:creationId xmlns:a16="http://schemas.microsoft.com/office/drawing/2014/main" id="{2520D9E1-7266-2C72-EF63-0E50C91C31CF}"/>
+                <a16:creationId xmlns:a16="http://schemas.microsoft.com/office/drawing/2014/main" id="{F9B9D909-EDA8-42A9-2E6D-73F596EBE5CB}"/>
               </a:ext>
             </a:extLst>
           </p:cNvPr>
@@ -306,7 +306,7 @@
           <a:bodyPr/>
           <a:lstStyle/>
           <a:p>
-            <a:fld id="{65CE5F9F-67DA-43F7-B6A4-40DC1794230F}" type="slidenum">
+            <a:fld id="{BB7215E8-79EF-456D-9938-B5CB66E1D1A3}" type="slidenum">
               <a:rPr lang="zh-CN" altLang="en-US" smtClean="0"/>
               <a:t>‹#›</a:t>
             </a:fld>
@@ -317,7 +317,7 @@
     </p:spTree>
     <p:extLst>
       <p:ext uri="{BB962C8B-B14F-4D97-AF65-F5344CB8AC3E}">
-        <p14:creationId xmlns:p14="http://schemas.microsoft.com/office/powerpoint/2010/main" val="604778124"/>
+        <p14:creationId xmlns:p14="http://schemas.microsoft.com/office/powerpoint/2010/main" val="3426651719"/>
       </p:ext>
     </p:extLst>
   </p:cSld>
@@ -349,7 +349,7 @@
           <p:cNvPr id="2" name="标题 1">
             <a:extLst>
               <a:ext uri="{FF2B5EF4-FFF2-40B4-BE49-F238E27FC236}">
-                <a16:creationId xmlns:a16="http://schemas.microsoft.com/office/drawing/2014/main" id="{4F77C978-C382-B8C4-6A21-A168EEA50E8A}"/>
+                <a16:creationId xmlns:a16="http://schemas.microsoft.com/office/drawing/2014/main" id="{D4BAF68E-D373-8B53-A90A-DEF3FFEF78E4}"/>
               </a:ext>
             </a:extLst>
           </p:cNvPr>
@@ -377,7 +377,7 @@
           <p:cNvPr id="3" name="竖排文字占位符 2">
             <a:extLst>
               <a:ext uri="{FF2B5EF4-FFF2-40B4-BE49-F238E27FC236}">
-                <a16:creationId xmlns:a16="http://schemas.microsoft.com/office/drawing/2014/main" id="{BB229DD2-8352-7620-907F-49AF68012176}"/>
+                <a16:creationId xmlns:a16="http://schemas.microsoft.com/office/drawing/2014/main" id="{6F8C3BB7-2105-2630-A8DC-8EF8E12B4520}"/>
               </a:ext>
             </a:extLst>
           </p:cNvPr>
@@ -434,7 +434,7 @@
           <p:cNvPr id="4" name="日期占位符 3">
             <a:extLst>
               <a:ext uri="{FF2B5EF4-FFF2-40B4-BE49-F238E27FC236}">
-                <a16:creationId xmlns:a16="http://schemas.microsoft.com/office/drawing/2014/main" id="{494BB990-4017-24E1-E6A8-66253BC6FF73}"/>
+                <a16:creationId xmlns:a16="http://schemas.microsoft.com/office/drawing/2014/main" id="{7E27CC76-4BDC-7F80-B2F8-73DAA6100CAD}"/>
               </a:ext>
             </a:extLst>
           </p:cNvPr>
@@ -450,7 +450,7 @@
           <a:bodyPr/>
           <a:lstStyle/>
           <a:p>
-            <a:fld id="{A01A747B-8B49-454F-8962-FC36EB4FE270}" type="datetimeFigureOut">
+            <a:fld id="{0BC3A608-BC37-40B9-AD1F-CF9AD95681F4}" type="datetimeFigureOut">
               <a:rPr lang="zh-CN" altLang="en-US" smtClean="0"/>
               <a:t>2024/3/10</a:t>
             </a:fld>
@@ -463,7 +463,7 @@
           <p:cNvPr id="5" name="页脚占位符 4">
             <a:extLst>
               <a:ext uri="{FF2B5EF4-FFF2-40B4-BE49-F238E27FC236}">
-                <a16:creationId xmlns:a16="http://schemas.microsoft.com/office/drawing/2014/main" id="{8FD0F09F-BA2F-BF22-7BFE-57BFA5D4540F}"/>
+                <a16:creationId xmlns:a16="http://schemas.microsoft.com/office/drawing/2014/main" id="{B565C298-E5FF-7CA0-24E0-87B7610098C5}"/>
               </a:ext>
             </a:extLst>
           </p:cNvPr>
@@ -488,7 +488,7 @@
           <p:cNvPr id="6" name="灯片编号占位符 5">
             <a:extLst>
               <a:ext uri="{FF2B5EF4-FFF2-40B4-BE49-F238E27FC236}">
-                <a16:creationId xmlns:a16="http://schemas.microsoft.com/office/drawing/2014/main" id="{301DB5D4-0F95-41A4-03C8-E0B2944A2D32}"/>
+                <a16:creationId xmlns:a16="http://schemas.microsoft.com/office/drawing/2014/main" id="{4B72FA65-3739-EE6B-814C-C8CB5187C225}"/>
               </a:ext>
             </a:extLst>
           </p:cNvPr>
@@ -504,7 +504,7 @@
           <a:bodyPr/>
           <a:lstStyle/>
           <a:p>
-            <a:fld id="{65CE5F9F-67DA-43F7-B6A4-40DC1794230F}" type="slidenum">
+            <a:fld id="{BB7215E8-79EF-456D-9938-B5CB66E1D1A3}" type="slidenum">
               <a:rPr lang="zh-CN" altLang="en-US" smtClean="0"/>
               <a:t>‹#›</a:t>
             </a:fld>
@@ -515,7 +515,7 @@
     </p:spTree>
     <p:extLst>
       <p:ext uri="{BB962C8B-B14F-4D97-AF65-F5344CB8AC3E}">
-        <p14:creationId xmlns:p14="http://schemas.microsoft.com/office/powerpoint/2010/main" val="452468463"/>
+        <p14:creationId xmlns:p14="http://schemas.microsoft.com/office/powerpoint/2010/main" val="4181293371"/>
       </p:ext>
     </p:extLst>
   </p:cSld>
@@ -547,7 +547,7 @@
           <p:cNvPr id="2" name="竖排标题 1">
             <a:extLst>
               <a:ext uri="{FF2B5EF4-FFF2-40B4-BE49-F238E27FC236}">
-                <a16:creationId xmlns:a16="http://schemas.microsoft.com/office/drawing/2014/main" id="{E0496072-C0A0-F099-4611-1C2C287AB3CE}"/>
+                <a16:creationId xmlns:a16="http://schemas.microsoft.com/office/drawing/2014/main" id="{AE39BF28-EE0B-02F1-0F4D-EC2F2368935D}"/>
               </a:ext>
             </a:extLst>
           </p:cNvPr>
@@ -580,7 +580,7 @@
           <p:cNvPr id="3" name="竖排文字占位符 2">
             <a:extLst>
               <a:ext uri="{FF2B5EF4-FFF2-40B4-BE49-F238E27FC236}">
-                <a16:creationId xmlns:a16="http://schemas.microsoft.com/office/drawing/2014/main" id="{B5BE60E2-EFB7-2DEA-6F1E-CA9246294A68}"/>
+                <a16:creationId xmlns:a16="http://schemas.microsoft.com/office/drawing/2014/main" id="{1A3E9D26-AF7E-18F3-3E97-259526ACC55C}"/>
               </a:ext>
             </a:extLst>
           </p:cNvPr>
@@ -642,7 +642,7 @@
           <p:cNvPr id="4" name="日期占位符 3">
             <a:extLst>
               <a:ext uri="{FF2B5EF4-FFF2-40B4-BE49-F238E27FC236}">
-                <a16:creationId xmlns:a16="http://schemas.microsoft.com/office/drawing/2014/main" id="{E63D2AE3-E188-258C-4F25-DCD5BF1E4B77}"/>
+                <a16:creationId xmlns:a16="http://schemas.microsoft.com/office/drawing/2014/main" id="{B31A2285-88A3-0973-F431-180F1B685A89}"/>
               </a:ext>
             </a:extLst>
           </p:cNvPr>
@@ -658,7 +658,7 @@
           <a:bodyPr/>
           <a:lstStyle/>
           <a:p>
-            <a:fld id="{A01A747B-8B49-454F-8962-FC36EB4FE270}" type="datetimeFigureOut">
+            <a:fld id="{0BC3A608-BC37-40B9-AD1F-CF9AD95681F4}" type="datetimeFigureOut">
               <a:rPr lang="zh-CN" altLang="en-US" smtClean="0"/>
               <a:t>2024/3/10</a:t>
             </a:fld>
@@ -671,7 +671,7 @@
           <p:cNvPr id="5" name="页脚占位符 4">
             <a:extLst>
               <a:ext uri="{FF2B5EF4-FFF2-40B4-BE49-F238E27FC236}">
-                <a16:creationId xmlns:a16="http://schemas.microsoft.com/office/drawing/2014/main" id="{025EAE10-E7EA-65A0-6111-4D8CADC18156}"/>
+                <a16:creationId xmlns:a16="http://schemas.microsoft.com/office/drawing/2014/main" id="{56E75419-B70D-B08D-ED36-6D65336D3F0F}"/>
               </a:ext>
             </a:extLst>
           </p:cNvPr>
@@ -696,7 +696,7 @@
           <p:cNvPr id="6" name="灯片编号占位符 5">
             <a:extLst>
               <a:ext uri="{FF2B5EF4-FFF2-40B4-BE49-F238E27FC236}">
-                <a16:creationId xmlns:a16="http://schemas.microsoft.com/office/drawing/2014/main" id="{E1F0E7B8-7BE4-6C1E-5FC8-1253F459F72D}"/>
+                <a16:creationId xmlns:a16="http://schemas.microsoft.com/office/drawing/2014/main" id="{77EC28A0-8894-98DF-2869-9D28DED33348}"/>
               </a:ext>
             </a:extLst>
           </p:cNvPr>
@@ -712,7 +712,7 @@
           <a:bodyPr/>
           <a:lstStyle/>
           <a:p>
-            <a:fld id="{65CE5F9F-67DA-43F7-B6A4-40DC1794230F}" type="slidenum">
+            <a:fld id="{BB7215E8-79EF-456D-9938-B5CB66E1D1A3}" type="slidenum">
               <a:rPr lang="zh-CN" altLang="en-US" smtClean="0"/>
               <a:t>‹#›</a:t>
             </a:fld>
@@ -723,7 +723,7 @@
     </p:spTree>
     <p:extLst>
       <p:ext uri="{BB962C8B-B14F-4D97-AF65-F5344CB8AC3E}">
-        <p14:creationId xmlns:p14="http://schemas.microsoft.com/office/powerpoint/2010/main" val="2288354856"/>
+        <p14:creationId xmlns:p14="http://schemas.microsoft.com/office/powerpoint/2010/main" val="1006159051"/>
       </p:ext>
     </p:extLst>
   </p:cSld>
@@ -755,7 +755,7 @@
           <p:cNvPr id="2" name="标题 1">
             <a:extLst>
               <a:ext uri="{FF2B5EF4-FFF2-40B4-BE49-F238E27FC236}">
-                <a16:creationId xmlns:a16="http://schemas.microsoft.com/office/drawing/2014/main" id="{A27005B2-54B6-194C-592A-FACC57F356AC}"/>
+                <a16:creationId xmlns:a16="http://schemas.microsoft.com/office/drawing/2014/main" id="{705D167E-C30A-16E1-E154-FBB3CCEFBEB3}"/>
               </a:ext>
             </a:extLst>
           </p:cNvPr>
@@ -783,7 +783,7 @@
           <p:cNvPr id="3" name="内容占位符 2">
             <a:extLst>
               <a:ext uri="{FF2B5EF4-FFF2-40B4-BE49-F238E27FC236}">
-                <a16:creationId xmlns:a16="http://schemas.microsoft.com/office/drawing/2014/main" id="{172CA6C9-AC75-D6BE-F2F7-D69C15506905}"/>
+                <a16:creationId xmlns:a16="http://schemas.microsoft.com/office/drawing/2014/main" id="{E32908DB-BFB0-AF30-7A35-03741EE35F0C}"/>
               </a:ext>
             </a:extLst>
           </p:cNvPr>
@@ -840,7 +840,7 @@
           <p:cNvPr id="4" name="日期占位符 3">
             <a:extLst>
               <a:ext uri="{FF2B5EF4-FFF2-40B4-BE49-F238E27FC236}">
-                <a16:creationId xmlns:a16="http://schemas.microsoft.com/office/drawing/2014/main" id="{6D1FFB59-1995-AEB4-CA45-FB610ED3045F}"/>
+                <a16:creationId xmlns:a16="http://schemas.microsoft.com/office/drawing/2014/main" id="{0C18202D-4F96-9FC9-DAC5-0614D4ED83E5}"/>
               </a:ext>
             </a:extLst>
           </p:cNvPr>
@@ -856,7 +856,7 @@
           <a:bodyPr/>
           <a:lstStyle/>
           <a:p>
-            <a:fld id="{A01A747B-8B49-454F-8962-FC36EB4FE270}" type="datetimeFigureOut">
+            <a:fld id="{0BC3A608-BC37-40B9-AD1F-CF9AD95681F4}" type="datetimeFigureOut">
               <a:rPr lang="zh-CN" altLang="en-US" smtClean="0"/>
               <a:t>2024/3/10</a:t>
             </a:fld>
@@ -869,7 +869,7 @@
           <p:cNvPr id="5" name="页脚占位符 4">
             <a:extLst>
               <a:ext uri="{FF2B5EF4-FFF2-40B4-BE49-F238E27FC236}">
-                <a16:creationId xmlns:a16="http://schemas.microsoft.com/office/drawing/2014/main" id="{F8960DB6-7FE9-67FB-0489-5BDE0369A15C}"/>
+                <a16:creationId xmlns:a16="http://schemas.microsoft.com/office/drawing/2014/main" id="{9D651E13-5CE9-4E06-78AB-F56488791062}"/>
               </a:ext>
             </a:extLst>
           </p:cNvPr>
@@ -894,7 +894,7 @@
           <p:cNvPr id="6" name="灯片编号占位符 5">
             <a:extLst>
               <a:ext uri="{FF2B5EF4-FFF2-40B4-BE49-F238E27FC236}">
-                <a16:creationId xmlns:a16="http://schemas.microsoft.com/office/drawing/2014/main" id="{80B86D59-45F5-DEA2-8D69-5BFE7AB62844}"/>
+                <a16:creationId xmlns:a16="http://schemas.microsoft.com/office/drawing/2014/main" id="{5713CD6F-16A3-D2ED-C714-69A2F40A3906}"/>
               </a:ext>
             </a:extLst>
           </p:cNvPr>
@@ -910,7 +910,7 @@
           <a:bodyPr/>
           <a:lstStyle/>
           <a:p>
-            <a:fld id="{65CE5F9F-67DA-43F7-B6A4-40DC1794230F}" type="slidenum">
+            <a:fld id="{BB7215E8-79EF-456D-9938-B5CB66E1D1A3}" type="slidenum">
               <a:rPr lang="zh-CN" altLang="en-US" smtClean="0"/>
               <a:t>‹#›</a:t>
             </a:fld>
@@ -921,7 +921,7 @@
     </p:spTree>
     <p:extLst>
       <p:ext uri="{BB962C8B-B14F-4D97-AF65-F5344CB8AC3E}">
-        <p14:creationId xmlns:p14="http://schemas.microsoft.com/office/powerpoint/2010/main" val="3003002774"/>
+        <p14:creationId xmlns:p14="http://schemas.microsoft.com/office/powerpoint/2010/main" val="2613658592"/>
       </p:ext>
     </p:extLst>
   </p:cSld>
@@ -953,7 +953,7 @@
           <p:cNvPr id="2" name="标题 1">
             <a:extLst>
               <a:ext uri="{FF2B5EF4-FFF2-40B4-BE49-F238E27FC236}">
-                <a16:creationId xmlns:a16="http://schemas.microsoft.com/office/drawing/2014/main" id="{B64F4462-CF73-808E-40E3-5723A8EA5D75}"/>
+                <a16:creationId xmlns:a16="http://schemas.microsoft.com/office/drawing/2014/main" id="{53CF5770-998B-C866-AB96-72132675E812}"/>
               </a:ext>
             </a:extLst>
           </p:cNvPr>
@@ -990,7 +990,7 @@
           <p:cNvPr id="3" name="文本占位符 2">
             <a:extLst>
               <a:ext uri="{FF2B5EF4-FFF2-40B4-BE49-F238E27FC236}">
-                <a16:creationId xmlns:a16="http://schemas.microsoft.com/office/drawing/2014/main" id="{EF5C077A-E0CD-5BD9-0CEB-907F1A2020EC}"/>
+                <a16:creationId xmlns:a16="http://schemas.microsoft.com/office/drawing/2014/main" id="{27C95CF7-9B64-B645-6E95-C86CE8C52C30}"/>
               </a:ext>
             </a:extLst>
           </p:cNvPr>
@@ -1115,7 +1115,7 @@
           <p:cNvPr id="4" name="日期占位符 3">
             <a:extLst>
               <a:ext uri="{FF2B5EF4-FFF2-40B4-BE49-F238E27FC236}">
-                <a16:creationId xmlns:a16="http://schemas.microsoft.com/office/drawing/2014/main" id="{E6593E08-909F-FECF-78DF-FBA867344476}"/>
+                <a16:creationId xmlns:a16="http://schemas.microsoft.com/office/drawing/2014/main" id="{F8E2EF2D-D330-7F50-2633-9E72E48F5A19}"/>
               </a:ext>
             </a:extLst>
           </p:cNvPr>
@@ -1131,7 +1131,7 @@
           <a:bodyPr/>
           <a:lstStyle/>
           <a:p>
-            <a:fld id="{A01A747B-8B49-454F-8962-FC36EB4FE270}" type="datetimeFigureOut">
+            <a:fld id="{0BC3A608-BC37-40B9-AD1F-CF9AD95681F4}" type="datetimeFigureOut">
               <a:rPr lang="zh-CN" altLang="en-US" smtClean="0"/>
               <a:t>2024/3/10</a:t>
             </a:fld>
@@ -1144,7 +1144,7 @@
           <p:cNvPr id="5" name="页脚占位符 4">
             <a:extLst>
               <a:ext uri="{FF2B5EF4-FFF2-40B4-BE49-F238E27FC236}">
-                <a16:creationId xmlns:a16="http://schemas.microsoft.com/office/drawing/2014/main" id="{ABF44A2D-EDA1-0A03-F18A-DDBCADA48112}"/>
+                <a16:creationId xmlns:a16="http://schemas.microsoft.com/office/drawing/2014/main" id="{3EE5046A-9ECC-57A0-0C14-379105D59235}"/>
               </a:ext>
             </a:extLst>
           </p:cNvPr>
@@ -1169,7 +1169,7 @@
           <p:cNvPr id="6" name="灯片编号占位符 5">
             <a:extLst>
               <a:ext uri="{FF2B5EF4-FFF2-40B4-BE49-F238E27FC236}">
-                <a16:creationId xmlns:a16="http://schemas.microsoft.com/office/drawing/2014/main" id="{5EB7ABF5-4C9D-5AD6-4FF6-0797C6D8F291}"/>
+                <a16:creationId xmlns:a16="http://schemas.microsoft.com/office/drawing/2014/main" id="{BB3DE4FA-063B-CFC4-10EB-42F5AB95D378}"/>
               </a:ext>
             </a:extLst>
           </p:cNvPr>
@@ -1185,7 +1185,7 @@
           <a:bodyPr/>
           <a:lstStyle/>
           <a:p>
-            <a:fld id="{65CE5F9F-67DA-43F7-B6A4-40DC1794230F}" type="slidenum">
+            <a:fld id="{BB7215E8-79EF-456D-9938-B5CB66E1D1A3}" type="slidenum">
               <a:rPr lang="zh-CN" altLang="en-US" smtClean="0"/>
               <a:t>‹#›</a:t>
             </a:fld>
@@ -1196,7 +1196,7 @@
     </p:spTree>
     <p:extLst>
       <p:ext uri="{BB962C8B-B14F-4D97-AF65-F5344CB8AC3E}">
-        <p14:creationId xmlns:p14="http://schemas.microsoft.com/office/powerpoint/2010/main" val="2434317497"/>
+        <p14:creationId xmlns:p14="http://schemas.microsoft.com/office/powerpoint/2010/main" val="947364110"/>
       </p:ext>
     </p:extLst>
   </p:cSld>
@@ -1228,7 +1228,7 @@
           <p:cNvPr id="2" name="标题 1">
             <a:extLst>
               <a:ext uri="{FF2B5EF4-FFF2-40B4-BE49-F238E27FC236}">
-                <a16:creationId xmlns:a16="http://schemas.microsoft.com/office/drawing/2014/main" id="{D5CFEB03-EBB2-932E-F28F-D2182FEB2A3A}"/>
+                <a16:creationId xmlns:a16="http://schemas.microsoft.com/office/drawing/2014/main" id="{2274CDD6-4505-4E10-5170-74C384572BC7}"/>
               </a:ext>
             </a:extLst>
           </p:cNvPr>
@@ -1256,7 +1256,7 @@
           <p:cNvPr id="3" name="内容占位符 2">
             <a:extLst>
               <a:ext uri="{FF2B5EF4-FFF2-40B4-BE49-F238E27FC236}">
-                <a16:creationId xmlns:a16="http://schemas.microsoft.com/office/drawing/2014/main" id="{22517382-FE83-24B0-3BBA-CEA758E51E21}"/>
+                <a16:creationId xmlns:a16="http://schemas.microsoft.com/office/drawing/2014/main" id="{5D9DBBB5-45A0-09B8-7B5E-6E56066B80FA}"/>
               </a:ext>
             </a:extLst>
           </p:cNvPr>
@@ -1318,7 +1318,7 @@
           <p:cNvPr id="4" name="内容占位符 3">
             <a:extLst>
               <a:ext uri="{FF2B5EF4-FFF2-40B4-BE49-F238E27FC236}">
-                <a16:creationId xmlns:a16="http://schemas.microsoft.com/office/drawing/2014/main" id="{63188A2B-0E55-2B28-2C90-5F20749987A9}"/>
+                <a16:creationId xmlns:a16="http://schemas.microsoft.com/office/drawing/2014/main" id="{11E2A2A3-C9CB-742B-8913-6DBC38368C66}"/>
               </a:ext>
             </a:extLst>
           </p:cNvPr>
@@ -1380,7 +1380,7 @@
           <p:cNvPr id="5" name="日期占位符 4">
             <a:extLst>
               <a:ext uri="{FF2B5EF4-FFF2-40B4-BE49-F238E27FC236}">
-                <a16:creationId xmlns:a16="http://schemas.microsoft.com/office/drawing/2014/main" id="{0ED48FC1-D9BE-2934-334B-6357F411C2FE}"/>
+                <a16:creationId xmlns:a16="http://schemas.microsoft.com/office/drawing/2014/main" id="{75E809D7-1922-F41D-92CF-48F1CCEFF6B2}"/>
               </a:ext>
             </a:extLst>
           </p:cNvPr>
@@ -1396,7 +1396,7 @@
           <a:bodyPr/>
           <a:lstStyle/>
           <a:p>
-            <a:fld id="{A01A747B-8B49-454F-8962-FC36EB4FE270}" type="datetimeFigureOut">
+            <a:fld id="{0BC3A608-BC37-40B9-AD1F-CF9AD95681F4}" type="datetimeFigureOut">
               <a:rPr lang="zh-CN" altLang="en-US" smtClean="0"/>
               <a:t>2024/3/10</a:t>
             </a:fld>
@@ -1409,7 +1409,7 @@
           <p:cNvPr id="6" name="页脚占位符 5">
             <a:extLst>
               <a:ext uri="{FF2B5EF4-FFF2-40B4-BE49-F238E27FC236}">
-                <a16:creationId xmlns:a16="http://schemas.microsoft.com/office/drawing/2014/main" id="{FFD727B4-6AE6-37E9-B774-67B336234DE8}"/>
+                <a16:creationId xmlns:a16="http://schemas.microsoft.com/office/drawing/2014/main" id="{F79FF908-E86A-EF6E-5571-5D0BD5D9B372}"/>
               </a:ext>
             </a:extLst>
           </p:cNvPr>
@@ -1434,7 +1434,7 @@
           <p:cNvPr id="7" name="灯片编号占位符 6">
             <a:extLst>
               <a:ext uri="{FF2B5EF4-FFF2-40B4-BE49-F238E27FC236}">
-                <a16:creationId xmlns:a16="http://schemas.microsoft.com/office/drawing/2014/main" id="{43980EDB-4A6D-4280-BFB7-0E1594960F2D}"/>
+                <a16:creationId xmlns:a16="http://schemas.microsoft.com/office/drawing/2014/main" id="{4126943D-0827-7C74-9D57-95325C4E08E3}"/>
               </a:ext>
             </a:extLst>
           </p:cNvPr>
@@ -1450,7 +1450,7 @@
           <a:bodyPr/>
           <a:lstStyle/>
           <a:p>
-            <a:fld id="{65CE5F9F-67DA-43F7-B6A4-40DC1794230F}" type="slidenum">
+            <a:fld id="{BB7215E8-79EF-456D-9938-B5CB66E1D1A3}" type="slidenum">
               <a:rPr lang="zh-CN" altLang="en-US" smtClean="0"/>
               <a:t>‹#›</a:t>
             </a:fld>
@@ -1461,7 +1461,7 @@
     </p:spTree>
     <p:extLst>
       <p:ext uri="{BB962C8B-B14F-4D97-AF65-F5344CB8AC3E}">
-        <p14:creationId xmlns:p14="http://schemas.microsoft.com/office/powerpoint/2010/main" val="3404955069"/>
+        <p14:creationId xmlns:p14="http://schemas.microsoft.com/office/powerpoint/2010/main" val="218329254"/>
       </p:ext>
     </p:extLst>
   </p:cSld>
@@ -1493,7 +1493,7 @@
           <p:cNvPr id="2" name="标题 1">
             <a:extLst>
               <a:ext uri="{FF2B5EF4-FFF2-40B4-BE49-F238E27FC236}">
-                <a16:creationId xmlns:a16="http://schemas.microsoft.com/office/drawing/2014/main" id="{E04E4ED2-9318-98F8-CDA0-2E1EDFC5F294}"/>
+                <a16:creationId xmlns:a16="http://schemas.microsoft.com/office/drawing/2014/main" id="{FFAF35A1-A6F7-AD72-0A14-C697C14F87F4}"/>
               </a:ext>
             </a:extLst>
           </p:cNvPr>
@@ -1526,7 +1526,7 @@
           <p:cNvPr id="3" name="文本占位符 2">
             <a:extLst>
               <a:ext uri="{FF2B5EF4-FFF2-40B4-BE49-F238E27FC236}">
-                <a16:creationId xmlns:a16="http://schemas.microsoft.com/office/drawing/2014/main" id="{E08E06FF-E7FF-77C8-437D-C0E22F11CB8C}"/>
+                <a16:creationId xmlns:a16="http://schemas.microsoft.com/office/drawing/2014/main" id="{FF010A2A-EF0F-335B-F92E-360EB500274D}"/>
               </a:ext>
             </a:extLst>
           </p:cNvPr>
@@ -1597,7 +1597,7 @@
           <p:cNvPr id="4" name="内容占位符 3">
             <a:extLst>
               <a:ext uri="{FF2B5EF4-FFF2-40B4-BE49-F238E27FC236}">
-                <a16:creationId xmlns:a16="http://schemas.microsoft.com/office/drawing/2014/main" id="{4D4345A8-ADF3-6BC2-0389-C09143B553E1}"/>
+                <a16:creationId xmlns:a16="http://schemas.microsoft.com/office/drawing/2014/main" id="{913BA675-3350-ED5F-369A-ADC0427807F7}"/>
               </a:ext>
             </a:extLst>
           </p:cNvPr>
@@ -1659,7 +1659,7 @@
           <p:cNvPr id="5" name="文本占位符 4">
             <a:extLst>
               <a:ext uri="{FF2B5EF4-FFF2-40B4-BE49-F238E27FC236}">
-                <a16:creationId xmlns:a16="http://schemas.microsoft.com/office/drawing/2014/main" id="{69DBA62D-E19D-A8F4-BD02-0EE6E9417C41}"/>
+                <a16:creationId xmlns:a16="http://schemas.microsoft.com/office/drawing/2014/main" id="{3F23A50E-BD1D-24B2-1088-168EEDB53411}"/>
               </a:ext>
             </a:extLst>
           </p:cNvPr>
@@ -1730,7 +1730,7 @@
           <p:cNvPr id="6" name="内容占位符 5">
             <a:extLst>
               <a:ext uri="{FF2B5EF4-FFF2-40B4-BE49-F238E27FC236}">
-                <a16:creationId xmlns:a16="http://schemas.microsoft.com/office/drawing/2014/main" id="{C6EE4840-9E0E-A6BE-6567-EF1189F8603B}"/>
+                <a16:creationId xmlns:a16="http://schemas.microsoft.com/office/drawing/2014/main" id="{11B19705-F7AC-29AB-A4C7-BE4903AEFA3C}"/>
               </a:ext>
             </a:extLst>
           </p:cNvPr>
@@ -1792,7 +1792,7 @@
           <p:cNvPr id="7" name="日期占位符 6">
             <a:extLst>
               <a:ext uri="{FF2B5EF4-FFF2-40B4-BE49-F238E27FC236}">
-                <a16:creationId xmlns:a16="http://schemas.microsoft.com/office/drawing/2014/main" id="{AE3C049E-25F3-38DD-5312-B9961D36FCA4}"/>
+                <a16:creationId xmlns:a16="http://schemas.microsoft.com/office/drawing/2014/main" id="{EECB9273-9B0A-D24E-30B7-C7FD326F6BF1}"/>
               </a:ext>
             </a:extLst>
           </p:cNvPr>
@@ -1808,7 +1808,7 @@
           <a:bodyPr/>
           <a:lstStyle/>
           <a:p>
-            <a:fld id="{A01A747B-8B49-454F-8962-FC36EB4FE270}" type="datetimeFigureOut">
+            <a:fld id="{0BC3A608-BC37-40B9-AD1F-CF9AD95681F4}" type="datetimeFigureOut">
               <a:rPr lang="zh-CN" altLang="en-US" smtClean="0"/>
               <a:t>2024/3/10</a:t>
             </a:fld>
@@ -1821,7 +1821,7 @@
           <p:cNvPr id="8" name="页脚占位符 7">
             <a:extLst>
               <a:ext uri="{FF2B5EF4-FFF2-40B4-BE49-F238E27FC236}">
-                <a16:creationId xmlns:a16="http://schemas.microsoft.com/office/drawing/2014/main" id="{E6CBFD71-8723-1F28-1EB9-8BEFBAD2B522}"/>
+                <a16:creationId xmlns:a16="http://schemas.microsoft.com/office/drawing/2014/main" id="{A0E7F7B5-5691-AE1D-029C-0BECDC73D5CB}"/>
               </a:ext>
             </a:extLst>
           </p:cNvPr>
@@ -1846,7 +1846,7 @@
           <p:cNvPr id="9" name="灯片编号占位符 8">
             <a:extLst>
               <a:ext uri="{FF2B5EF4-FFF2-40B4-BE49-F238E27FC236}">
-                <a16:creationId xmlns:a16="http://schemas.microsoft.com/office/drawing/2014/main" id="{D6200AB8-16B7-0F5B-7C69-3C74C5F01CB4}"/>
+                <a16:creationId xmlns:a16="http://schemas.microsoft.com/office/drawing/2014/main" id="{11C2A747-0F1D-8AF8-2AA8-AB8B0CF31374}"/>
               </a:ext>
             </a:extLst>
           </p:cNvPr>
@@ -1862,7 +1862,7 @@
           <a:bodyPr/>
           <a:lstStyle/>
           <a:p>
-            <a:fld id="{65CE5F9F-67DA-43F7-B6A4-40DC1794230F}" type="slidenum">
+            <a:fld id="{BB7215E8-79EF-456D-9938-B5CB66E1D1A3}" type="slidenum">
               <a:rPr lang="zh-CN" altLang="en-US" smtClean="0"/>
               <a:t>‹#›</a:t>
             </a:fld>
@@ -1873,7 +1873,7 @@
     </p:spTree>
     <p:extLst>
       <p:ext uri="{BB962C8B-B14F-4D97-AF65-F5344CB8AC3E}">
-        <p14:creationId xmlns:p14="http://schemas.microsoft.com/office/powerpoint/2010/main" val="1239414760"/>
+        <p14:creationId xmlns:p14="http://schemas.microsoft.com/office/powerpoint/2010/main" val="3666624271"/>
       </p:ext>
     </p:extLst>
   </p:cSld>
@@ -1905,7 +1905,7 @@
           <p:cNvPr id="2" name="标题 1">
             <a:extLst>
               <a:ext uri="{FF2B5EF4-FFF2-40B4-BE49-F238E27FC236}">
-                <a16:creationId xmlns:a16="http://schemas.microsoft.com/office/drawing/2014/main" id="{7992A7C4-98E9-8ADC-E6A4-95F47DB1CF36}"/>
+                <a16:creationId xmlns:a16="http://schemas.microsoft.com/office/drawing/2014/main" id="{39F02954-9951-2A5D-748D-D78254DFF5BA}"/>
               </a:ext>
             </a:extLst>
           </p:cNvPr>
@@ -1933,7 +1933,7 @@
           <p:cNvPr id="3" name="日期占位符 2">
             <a:extLst>
               <a:ext uri="{FF2B5EF4-FFF2-40B4-BE49-F238E27FC236}">
-                <a16:creationId xmlns:a16="http://schemas.microsoft.com/office/drawing/2014/main" id="{2D3029EB-0E6F-5603-6695-124ACD446DAF}"/>
+                <a16:creationId xmlns:a16="http://schemas.microsoft.com/office/drawing/2014/main" id="{3D6553AB-22BE-11A1-E44E-1D4F29CD3659}"/>
               </a:ext>
             </a:extLst>
           </p:cNvPr>
@@ -1949,7 +1949,7 @@
           <a:bodyPr/>
           <a:lstStyle/>
           <a:p>
-            <a:fld id="{A01A747B-8B49-454F-8962-FC36EB4FE270}" type="datetimeFigureOut">
+            <a:fld id="{0BC3A608-BC37-40B9-AD1F-CF9AD95681F4}" type="datetimeFigureOut">
               <a:rPr lang="zh-CN" altLang="en-US" smtClean="0"/>
               <a:t>2024/3/10</a:t>
             </a:fld>
@@ -1962,7 +1962,7 @@
           <p:cNvPr id="4" name="页脚占位符 3">
             <a:extLst>
               <a:ext uri="{FF2B5EF4-FFF2-40B4-BE49-F238E27FC236}">
-                <a16:creationId xmlns:a16="http://schemas.microsoft.com/office/drawing/2014/main" id="{D55CDBEC-0D01-941B-5E29-D77454DE79A3}"/>
+                <a16:creationId xmlns:a16="http://schemas.microsoft.com/office/drawing/2014/main" id="{79FE1D52-3F3F-95E8-FA0D-8867656FC643}"/>
               </a:ext>
             </a:extLst>
           </p:cNvPr>
@@ -1987,7 +1987,7 @@
           <p:cNvPr id="5" name="灯片编号占位符 4">
             <a:extLst>
               <a:ext uri="{FF2B5EF4-FFF2-40B4-BE49-F238E27FC236}">
-                <a16:creationId xmlns:a16="http://schemas.microsoft.com/office/drawing/2014/main" id="{5B5AC77D-A33C-91CC-71E3-ADB26C5A6C96}"/>
+                <a16:creationId xmlns:a16="http://schemas.microsoft.com/office/drawing/2014/main" id="{C02D4B96-2CAE-4E67-A915-A1365BF38552}"/>
               </a:ext>
             </a:extLst>
           </p:cNvPr>
@@ -2003,7 +2003,7 @@
           <a:bodyPr/>
           <a:lstStyle/>
           <a:p>
-            <a:fld id="{65CE5F9F-67DA-43F7-B6A4-40DC1794230F}" type="slidenum">
+            <a:fld id="{BB7215E8-79EF-456D-9938-B5CB66E1D1A3}" type="slidenum">
               <a:rPr lang="zh-CN" altLang="en-US" smtClean="0"/>
               <a:t>‹#›</a:t>
             </a:fld>
@@ -2014,7 +2014,7 @@
     </p:spTree>
     <p:extLst>
       <p:ext uri="{BB962C8B-B14F-4D97-AF65-F5344CB8AC3E}">
-        <p14:creationId xmlns:p14="http://schemas.microsoft.com/office/powerpoint/2010/main" val="426970320"/>
+        <p14:creationId xmlns:p14="http://schemas.microsoft.com/office/powerpoint/2010/main" val="1960987849"/>
       </p:ext>
     </p:extLst>
   </p:cSld>
@@ -2046,7 +2046,7 @@
           <p:cNvPr id="2" name="日期占位符 1">
             <a:extLst>
               <a:ext uri="{FF2B5EF4-FFF2-40B4-BE49-F238E27FC236}">
-                <a16:creationId xmlns:a16="http://schemas.microsoft.com/office/drawing/2014/main" id="{A1F5FBB4-0CF7-5378-4AEA-4C419750EDF8}"/>
+                <a16:creationId xmlns:a16="http://schemas.microsoft.com/office/drawing/2014/main" id="{9CD9973A-4A3F-C688-E1A2-B04C49A91949}"/>
               </a:ext>
             </a:extLst>
           </p:cNvPr>
@@ -2062,7 +2062,7 @@
           <a:bodyPr/>
           <a:lstStyle/>
           <a:p>
-            <a:fld id="{A01A747B-8B49-454F-8962-FC36EB4FE270}" type="datetimeFigureOut">
+            <a:fld id="{0BC3A608-BC37-40B9-AD1F-CF9AD95681F4}" type="datetimeFigureOut">
               <a:rPr lang="zh-CN" altLang="en-US" smtClean="0"/>
               <a:t>2024/3/10</a:t>
             </a:fld>
@@ -2075,7 +2075,7 @@
           <p:cNvPr id="3" name="页脚占位符 2">
             <a:extLst>
               <a:ext uri="{FF2B5EF4-FFF2-40B4-BE49-F238E27FC236}">
-                <a16:creationId xmlns:a16="http://schemas.microsoft.com/office/drawing/2014/main" id="{FB25AB4A-F29C-4DBB-770A-E4D9FC3F4770}"/>
+                <a16:creationId xmlns:a16="http://schemas.microsoft.com/office/drawing/2014/main" id="{8CBA8031-B3C0-A27E-A9C1-23956DF5FD2F}"/>
               </a:ext>
             </a:extLst>
           </p:cNvPr>
@@ -2100,7 +2100,7 @@
           <p:cNvPr id="4" name="灯片编号占位符 3">
             <a:extLst>
               <a:ext uri="{FF2B5EF4-FFF2-40B4-BE49-F238E27FC236}">
-                <a16:creationId xmlns:a16="http://schemas.microsoft.com/office/drawing/2014/main" id="{E0317906-FB9D-7F5D-3264-B07A7F2684E0}"/>
+                <a16:creationId xmlns:a16="http://schemas.microsoft.com/office/drawing/2014/main" id="{86D22BAC-DA98-EFD5-A77D-1FA71CBDD776}"/>
               </a:ext>
             </a:extLst>
           </p:cNvPr>
@@ -2116,7 +2116,7 @@
           <a:bodyPr/>
           <a:lstStyle/>
           <a:p>
-            <a:fld id="{65CE5F9F-67DA-43F7-B6A4-40DC1794230F}" type="slidenum">
+            <a:fld id="{BB7215E8-79EF-456D-9938-B5CB66E1D1A3}" type="slidenum">
               <a:rPr lang="zh-CN" altLang="en-US" smtClean="0"/>
               <a:t>‹#›</a:t>
             </a:fld>
@@ -2127,7 +2127,7 @@
     </p:spTree>
     <p:extLst>
       <p:ext uri="{BB962C8B-B14F-4D97-AF65-F5344CB8AC3E}">
-        <p14:creationId xmlns:p14="http://schemas.microsoft.com/office/powerpoint/2010/main" val="1394132035"/>
+        <p14:creationId xmlns:p14="http://schemas.microsoft.com/office/powerpoint/2010/main" val="1675532495"/>
       </p:ext>
     </p:extLst>
   </p:cSld>
@@ -2159,7 +2159,7 @@
           <p:cNvPr id="2" name="标题 1">
             <a:extLst>
               <a:ext uri="{FF2B5EF4-FFF2-40B4-BE49-F238E27FC236}">
-                <a16:creationId xmlns:a16="http://schemas.microsoft.com/office/drawing/2014/main" id="{369DA0D1-FC92-FE6B-26C1-9EA4FF896A4D}"/>
+                <a16:creationId xmlns:a16="http://schemas.microsoft.com/office/drawing/2014/main" id="{B935FF20-17B9-B68D-B9C4-413EB5B5C8AF}"/>
               </a:ext>
             </a:extLst>
           </p:cNvPr>
@@ -2196,7 +2196,7 @@
           <p:cNvPr id="3" name="内容占位符 2">
             <a:extLst>
               <a:ext uri="{FF2B5EF4-FFF2-40B4-BE49-F238E27FC236}">
-                <a16:creationId xmlns:a16="http://schemas.microsoft.com/office/drawing/2014/main" id="{1732B7D6-8704-F050-FB7B-62B702191D2E}"/>
+                <a16:creationId xmlns:a16="http://schemas.microsoft.com/office/drawing/2014/main" id="{FBF2874C-1780-6D22-BF7F-826D5E82CB71}"/>
               </a:ext>
             </a:extLst>
           </p:cNvPr>
@@ -2286,7 +2286,7 @@
           <p:cNvPr id="4" name="文本占位符 3">
             <a:extLst>
               <a:ext uri="{FF2B5EF4-FFF2-40B4-BE49-F238E27FC236}">
-                <a16:creationId xmlns:a16="http://schemas.microsoft.com/office/drawing/2014/main" id="{43FEC329-F0DD-57AB-FB89-14C71CDECE4A}"/>
+                <a16:creationId xmlns:a16="http://schemas.microsoft.com/office/drawing/2014/main" id="{BCF626B5-8CAD-0A15-BBF7-E3336A45F207}"/>
               </a:ext>
             </a:extLst>
           </p:cNvPr>
@@ -2357,7 +2357,7 @@
           <p:cNvPr id="5" name="日期占位符 4">
             <a:extLst>
               <a:ext uri="{FF2B5EF4-FFF2-40B4-BE49-F238E27FC236}">
-                <a16:creationId xmlns:a16="http://schemas.microsoft.com/office/drawing/2014/main" id="{FCF0E4C0-FBA3-C234-5ADF-5A117B039DFB}"/>
+                <a16:creationId xmlns:a16="http://schemas.microsoft.com/office/drawing/2014/main" id="{F7BBBDCE-C0B7-9A4D-762D-74F03EB450E8}"/>
               </a:ext>
             </a:extLst>
           </p:cNvPr>
@@ -2373,7 +2373,7 @@
           <a:bodyPr/>
           <a:lstStyle/>
           <a:p>
-            <a:fld id="{A01A747B-8B49-454F-8962-FC36EB4FE270}" type="datetimeFigureOut">
+            <a:fld id="{0BC3A608-BC37-40B9-AD1F-CF9AD95681F4}" type="datetimeFigureOut">
               <a:rPr lang="zh-CN" altLang="en-US" smtClean="0"/>
               <a:t>2024/3/10</a:t>
             </a:fld>
@@ -2386,7 +2386,7 @@
           <p:cNvPr id="6" name="页脚占位符 5">
             <a:extLst>
               <a:ext uri="{FF2B5EF4-FFF2-40B4-BE49-F238E27FC236}">
-                <a16:creationId xmlns:a16="http://schemas.microsoft.com/office/drawing/2014/main" id="{E9F043D5-C42E-26CD-42DC-B467295DEC70}"/>
+                <a16:creationId xmlns:a16="http://schemas.microsoft.com/office/drawing/2014/main" id="{72E832B1-907D-538E-7C1F-596D140CDF1E}"/>
               </a:ext>
             </a:extLst>
           </p:cNvPr>
@@ -2411,7 +2411,7 @@
           <p:cNvPr id="7" name="灯片编号占位符 6">
             <a:extLst>
               <a:ext uri="{FF2B5EF4-FFF2-40B4-BE49-F238E27FC236}">
-                <a16:creationId xmlns:a16="http://schemas.microsoft.com/office/drawing/2014/main" id="{9961B4E2-3165-507A-9D7B-CE83B46A8426}"/>
+                <a16:creationId xmlns:a16="http://schemas.microsoft.com/office/drawing/2014/main" id="{B01674F1-58FF-2EAB-6121-2E9249301F3C}"/>
               </a:ext>
             </a:extLst>
           </p:cNvPr>
@@ -2427,7 +2427,7 @@
           <a:bodyPr/>
           <a:lstStyle/>
           <a:p>
-            <a:fld id="{65CE5F9F-67DA-43F7-B6A4-40DC1794230F}" type="slidenum">
+            <a:fld id="{BB7215E8-79EF-456D-9938-B5CB66E1D1A3}" type="slidenum">
               <a:rPr lang="zh-CN" altLang="en-US" smtClean="0"/>
               <a:t>‹#›</a:t>
             </a:fld>
@@ -2438,7 +2438,7 @@
     </p:spTree>
     <p:extLst>
       <p:ext uri="{BB962C8B-B14F-4D97-AF65-F5344CB8AC3E}">
-        <p14:creationId xmlns:p14="http://schemas.microsoft.com/office/powerpoint/2010/main" val="1939286265"/>
+        <p14:creationId xmlns:p14="http://schemas.microsoft.com/office/powerpoint/2010/main" val="345444405"/>
       </p:ext>
     </p:extLst>
   </p:cSld>
@@ -2470,7 +2470,7 @@
           <p:cNvPr id="2" name="标题 1">
             <a:extLst>
               <a:ext uri="{FF2B5EF4-FFF2-40B4-BE49-F238E27FC236}">
-                <a16:creationId xmlns:a16="http://schemas.microsoft.com/office/drawing/2014/main" id="{C4A36D52-DDCC-17BE-8B2E-A316C1CBCBDA}"/>
+                <a16:creationId xmlns:a16="http://schemas.microsoft.com/office/drawing/2014/main" id="{5833155E-0293-AA99-27ED-E9B69362B1A7}"/>
               </a:ext>
             </a:extLst>
           </p:cNvPr>
@@ -2507,7 +2507,7 @@
           <p:cNvPr id="3" name="图片占位符 2">
             <a:extLst>
               <a:ext uri="{FF2B5EF4-FFF2-40B4-BE49-F238E27FC236}">
-                <a16:creationId xmlns:a16="http://schemas.microsoft.com/office/drawing/2014/main" id="{75BA057C-E76D-F102-4F84-9387048E1378}"/>
+                <a16:creationId xmlns:a16="http://schemas.microsoft.com/office/drawing/2014/main" id="{F355191D-1861-857E-8CCE-FD0FD97C8B9C}"/>
               </a:ext>
             </a:extLst>
           </p:cNvPr>
@@ -2574,7 +2574,7 @@
           <p:cNvPr id="4" name="文本占位符 3">
             <a:extLst>
               <a:ext uri="{FF2B5EF4-FFF2-40B4-BE49-F238E27FC236}">
-                <a16:creationId xmlns:a16="http://schemas.microsoft.com/office/drawing/2014/main" id="{BC6BA27A-D3CD-302E-365B-D1EAAF5E97CB}"/>
+                <a16:creationId xmlns:a16="http://schemas.microsoft.com/office/drawing/2014/main" id="{F111EC5A-2BBA-598F-757D-18424DAB1473}"/>
               </a:ext>
             </a:extLst>
           </p:cNvPr>
@@ -2645,7 +2645,7 @@
           <p:cNvPr id="5" name="日期占位符 4">
             <a:extLst>
               <a:ext uri="{FF2B5EF4-FFF2-40B4-BE49-F238E27FC236}">
-                <a16:creationId xmlns:a16="http://schemas.microsoft.com/office/drawing/2014/main" id="{8B945E7F-1EF3-E4BE-F1F3-06C74B35A1DD}"/>
+                <a16:creationId xmlns:a16="http://schemas.microsoft.com/office/drawing/2014/main" id="{0EE83FD0-9FB2-6B90-F5DA-BEA8EF831DA2}"/>
               </a:ext>
             </a:extLst>
           </p:cNvPr>
@@ -2661,7 +2661,7 @@
           <a:bodyPr/>
           <a:lstStyle/>
           <a:p>
-            <a:fld id="{A01A747B-8B49-454F-8962-FC36EB4FE270}" type="datetimeFigureOut">
+            <a:fld id="{0BC3A608-BC37-40B9-AD1F-CF9AD95681F4}" type="datetimeFigureOut">
               <a:rPr lang="zh-CN" altLang="en-US" smtClean="0"/>
               <a:t>2024/3/10</a:t>
             </a:fld>
@@ -2674,7 +2674,7 @@
           <p:cNvPr id="6" name="页脚占位符 5">
             <a:extLst>
               <a:ext uri="{FF2B5EF4-FFF2-40B4-BE49-F238E27FC236}">
-                <a16:creationId xmlns:a16="http://schemas.microsoft.com/office/drawing/2014/main" id="{FCA3FABE-054D-DD2C-2F99-F4ED65EDA854}"/>
+                <a16:creationId xmlns:a16="http://schemas.microsoft.com/office/drawing/2014/main" id="{34E1844E-DED1-82E0-EB6C-2EC1931D1E97}"/>
               </a:ext>
             </a:extLst>
           </p:cNvPr>
@@ -2699,7 +2699,7 @@
           <p:cNvPr id="7" name="灯片编号占位符 6">
             <a:extLst>
               <a:ext uri="{FF2B5EF4-FFF2-40B4-BE49-F238E27FC236}">
-                <a16:creationId xmlns:a16="http://schemas.microsoft.com/office/drawing/2014/main" id="{F6A954BE-3D30-19FF-00FC-8D4D71293B5A}"/>
+                <a16:creationId xmlns:a16="http://schemas.microsoft.com/office/drawing/2014/main" id="{7159593B-6317-5328-B54F-631CA2CC02B2}"/>
               </a:ext>
             </a:extLst>
           </p:cNvPr>
@@ -2715,7 +2715,7 @@
           <a:bodyPr/>
           <a:lstStyle/>
           <a:p>
-            <a:fld id="{65CE5F9F-67DA-43F7-B6A4-40DC1794230F}" type="slidenum">
+            <a:fld id="{BB7215E8-79EF-456D-9938-B5CB66E1D1A3}" type="slidenum">
               <a:rPr lang="zh-CN" altLang="en-US" smtClean="0"/>
               <a:t>‹#›</a:t>
             </a:fld>
@@ -2726,7 +2726,7 @@
     </p:spTree>
     <p:extLst>
       <p:ext uri="{BB962C8B-B14F-4D97-AF65-F5344CB8AC3E}">
-        <p14:creationId xmlns:p14="http://schemas.microsoft.com/office/powerpoint/2010/main" val="3741744081"/>
+        <p14:creationId xmlns:p14="http://schemas.microsoft.com/office/powerpoint/2010/main" val="288485986"/>
       </p:ext>
     </p:extLst>
   </p:cSld>
@@ -2763,7 +2763,7 @@
           <p:cNvPr id="2" name="标题占位符 1">
             <a:extLst>
               <a:ext uri="{FF2B5EF4-FFF2-40B4-BE49-F238E27FC236}">
-                <a16:creationId xmlns:a16="http://schemas.microsoft.com/office/drawing/2014/main" id="{F76EEA3B-0136-7CD3-0934-2C517975D58E}"/>
+                <a16:creationId xmlns:a16="http://schemas.microsoft.com/office/drawing/2014/main" id="{69C2B72F-0E4B-4DB9-1878-BA2A4BC70F48}"/>
               </a:ext>
             </a:extLst>
           </p:cNvPr>
@@ -2801,7 +2801,7 @@
           <p:cNvPr id="3" name="文本占位符 2">
             <a:extLst>
               <a:ext uri="{FF2B5EF4-FFF2-40B4-BE49-F238E27FC236}">
-                <a16:creationId xmlns:a16="http://schemas.microsoft.com/office/drawing/2014/main" id="{D4B91C38-95A3-3173-8C21-C60F7F886E9E}"/>
+                <a16:creationId xmlns:a16="http://schemas.microsoft.com/office/drawing/2014/main" id="{288BCE42-B5DF-912D-366A-C0720F311547}"/>
               </a:ext>
             </a:extLst>
           </p:cNvPr>
@@ -2868,7 +2868,7 @@
           <p:cNvPr id="4" name="日期占位符 3">
             <a:extLst>
               <a:ext uri="{FF2B5EF4-FFF2-40B4-BE49-F238E27FC236}">
-                <a16:creationId xmlns:a16="http://schemas.microsoft.com/office/drawing/2014/main" id="{836290D0-3838-7A36-7BD9-1ACB6D21C53E}"/>
+                <a16:creationId xmlns:a16="http://schemas.microsoft.com/office/drawing/2014/main" id="{F2E8D173-3F20-D19D-855F-63A8379526FF}"/>
               </a:ext>
             </a:extLst>
           </p:cNvPr>
@@ -2902,7 +2902,7 @@
             </a:lvl1pPr>
           </a:lstStyle>
           <a:p>
-            <a:fld id="{A01A747B-8B49-454F-8962-FC36EB4FE270}" type="datetimeFigureOut">
+            <a:fld id="{0BC3A608-BC37-40B9-AD1F-CF9AD95681F4}" type="datetimeFigureOut">
               <a:rPr lang="zh-CN" altLang="en-US" smtClean="0"/>
               <a:t>2024/3/10</a:t>
             </a:fld>
@@ -2915,7 +2915,7 @@
           <p:cNvPr id="5" name="页脚占位符 4">
             <a:extLst>
               <a:ext uri="{FF2B5EF4-FFF2-40B4-BE49-F238E27FC236}">
-                <a16:creationId xmlns:a16="http://schemas.microsoft.com/office/drawing/2014/main" id="{F83DA5A9-ADE7-9EC4-2CF0-9624C63586A1}"/>
+                <a16:creationId xmlns:a16="http://schemas.microsoft.com/office/drawing/2014/main" id="{BBC817E3-6502-9900-957F-6058CFE8780B}"/>
               </a:ext>
             </a:extLst>
           </p:cNvPr>
@@ -2958,7 +2958,7 @@
           <p:cNvPr id="6" name="灯片编号占位符 5">
             <a:extLst>
               <a:ext uri="{FF2B5EF4-FFF2-40B4-BE49-F238E27FC236}">
-                <a16:creationId xmlns:a16="http://schemas.microsoft.com/office/drawing/2014/main" id="{228CD7EA-8F6F-4162-3030-D186E02DED56}"/>
+                <a16:creationId xmlns:a16="http://schemas.microsoft.com/office/drawing/2014/main" id="{CC8FD9F0-4A1A-CC24-B355-40C004DD5D3A}"/>
               </a:ext>
             </a:extLst>
           </p:cNvPr>
@@ -2992,7 +2992,7 @@
             </a:lvl1pPr>
           </a:lstStyle>
           <a:p>
-            <a:fld id="{65CE5F9F-67DA-43F7-B6A4-40DC1794230F}" type="slidenum">
+            <a:fld id="{BB7215E8-79EF-456D-9938-B5CB66E1D1A3}" type="slidenum">
               <a:rPr lang="zh-CN" altLang="en-US" smtClean="0"/>
               <a:t>‹#›</a:t>
             </a:fld>
@@ -3003,7 +3003,7 @@
     </p:spTree>
     <p:extLst>
       <p:ext uri="{BB962C8B-B14F-4D97-AF65-F5344CB8AC3E}">
-        <p14:creationId xmlns:p14="http://schemas.microsoft.com/office/powerpoint/2010/main" val="1799250350"/>
+        <p14:creationId xmlns:p14="http://schemas.microsoft.com/office/powerpoint/2010/main" val="1079409413"/>
       </p:ext>
     </p:extLst>
   </p:cSld>
